--- a/Presentación DSINT.pptx
+++ b/Presentación DSINT.pptx
@@ -15,6 +15,8 @@
     <p:sldId id="260" r:id="rId12"/>
     <p:sldId id="261" r:id="rId13"/>
     <p:sldId id="262" r:id="rId14"/>
+    <p:sldId id="263" r:id="rId15"/>
+    <p:sldId id="264" r:id="rId16"/>
   </p:sldIdLst>
   <p:sldSz cx="13004800" cy="9753600"/>
   <p:notesSz cx="6858000" cy="9144000"/>
@@ -3168,38 +3170,9 @@
           <a:chExt cx="0" cy="0"/>
         </a:xfrm>
       </p:grpSpPr>
-      <p:pic>
-        <p:nvPicPr>
-          <p:cNvPr id="123" name="Grafo ontología.png" descr="Grafo ontología.png"/>
-          <p:cNvPicPr>
-            <a:picLocks noChangeAspect="1"/>
-          </p:cNvPicPr>
-          <p:nvPr>
-            <p:ph type="pic" idx="13"/>
-          </p:nvPr>
-        </p:nvPicPr>
-        <p:blipFill>
-          <a:blip r:embed="rId2">
-            <a:extLst/>
-          </a:blip>
-          <a:srcRect l="0" t="0" r="0" b="0"/>
-          <a:stretch>
-            <a:fillRect/>
-          </a:stretch>
-        </p:blipFill>
-        <p:spPr>
-          <a:xfrm>
-            <a:off x="1029914" y="406399"/>
-            <a:ext cx="11557001" cy="6235701"/>
-          </a:xfrm>
-          <a:prstGeom prst="rect">
-            <a:avLst/>
-          </a:prstGeom>
-        </p:spPr>
-      </p:pic>
       <p:sp>
         <p:nvSpPr>
-          <p:cNvPr id="124" name="Ontología de nuestro sistema de reglas"/>
+          <p:cNvPr id="123" name="Contenidos de la práctica"/>
           <p:cNvSpPr txBox="1"/>
           <p:nvPr>
             <p:ph type="title"/>
@@ -3212,25 +3185,21 @@
         </p:spPr>
         <p:txBody>
           <a:bodyPr/>
-          <a:lstStyle>
-            <a:lvl1pPr defTabSz="385572">
-              <a:defRPr sz="5280"/>
-            </a:lvl1pPr>
-          </a:lstStyle>
+          <a:lstStyle/>
           <a:p>
             <a:pPr/>
             <a:r>
-              <a:t>Ontología de nuestro sistema de reglas</a:t>
+              <a:t>Contenidos de la práctica</a:t>
             </a:r>
           </a:p>
         </p:txBody>
       </p:sp>
       <p:sp>
         <p:nvSpPr>
-          <p:cNvPr id="125" name="En resumen, creamos una jerarquía de enfermedades y datos de ECG, para así poder comparar entre los distintos datos y diagnosticar síntomas"/>
+          <p:cNvPr id="124" name="Ontología:…"/>
           <p:cNvSpPr txBox="1"/>
           <p:nvPr>
-            <p:ph type="body" sz="quarter" idx="1"/>
+            <p:ph type="body" idx="1"/>
           </p:nvPr>
         </p:nvSpPr>
         <p:spPr>
@@ -3240,15 +3209,67 @@
         </p:spPr>
         <p:txBody>
           <a:bodyPr/>
-          <a:lstStyle>
-            <a:lvl1pPr defTabSz="443991">
-              <a:defRPr sz="2812"/>
-            </a:lvl1pPr>
-          </a:lstStyle>
-          <a:p>
-            <a:pPr/>
-            <a:r>
-              <a:t>En resumen, creamos una jerarquía de enfermedades y datos de ECG, para así poder comparar entre los distintos datos y diagnosticar síntomas</a:t>
+          <a:lstStyle/>
+          <a:p>
+            <a:pPr>
+              <a:defRPr>
+                <a:latin typeface="+mn-lt"/>
+                <a:ea typeface="+mn-ea"/>
+                <a:cs typeface="+mn-cs"/>
+                <a:sym typeface="Baskerville"/>
+              </a:defRPr>
+            </a:pPr>
+            <a:r>
+              <a:t>Ontología:</a:t>
+            </a:r>
+          </a:p>
+          <a:p>
+            <a:pPr lvl="1">
+              <a:defRPr>
+                <a:latin typeface="+mn-lt"/>
+                <a:ea typeface="+mn-ea"/>
+                <a:cs typeface="+mn-cs"/>
+                <a:sym typeface="Baskerville"/>
+              </a:defRPr>
+            </a:pPr>
+            <a:r>
+              <a:t>Creada en Protegé</a:t>
+            </a:r>
+          </a:p>
+          <a:p>
+            <a:pPr lvl="1">
+              <a:defRPr>
+                <a:latin typeface="+mn-lt"/>
+                <a:ea typeface="+mn-ea"/>
+                <a:cs typeface="+mn-cs"/>
+                <a:sym typeface="Baskerville"/>
+              </a:defRPr>
+            </a:pPr>
+          </a:p>
+          <a:p>
+            <a:pPr>
+              <a:defRPr>
+                <a:latin typeface="+mn-lt"/>
+                <a:ea typeface="+mn-ea"/>
+                <a:cs typeface="+mn-cs"/>
+                <a:sym typeface="Baskerville"/>
+              </a:defRPr>
+            </a:pPr>
+            <a:r>
+              <a:t>Sistema de reglas mediante pares de fichero de entrada:</a:t>
+            </a:r>
+          </a:p>
+          <a:p>
+            <a:pPr lvl="1">
+              <a:defRPr>
+                <a:latin typeface="+mn-lt"/>
+                <a:ea typeface="+mn-ea"/>
+                <a:cs typeface="+mn-cs"/>
+                <a:sym typeface="Baskerville"/>
+              </a:defRPr>
+            </a:pPr>
+            <a:r>
+              <a:t>Creado en Java</a:t>
             </a:r>
           </a:p>
         </p:txBody>
@@ -3281,9 +3302,9 @@
       </p:grpSpPr>
       <p:pic>
         <p:nvPicPr>
-          <p:cNvPr id="127" name="Captura de pantalla 2019-12-17 a las 5.54.21 p. m..png" descr="Captura de pantalla 2019-12-17 a las 5.54.21 p. m..png"/>
+          <p:cNvPr id="126" name="Grafo ontología.png" descr="Grafo ontología.png"/>
           <p:cNvPicPr>
-            <a:picLocks noChangeAspect="0"/>
+            <a:picLocks noChangeAspect="1"/>
           </p:cNvPicPr>
           <p:nvPr>
             <p:ph type="pic" idx="13"/>
@@ -3300,8 +3321,8 @@
         </p:blipFill>
         <p:spPr>
           <a:xfrm>
-            <a:off x="5857369" y="2148333"/>
-            <a:ext cx="6734324" cy="5203082"/>
+            <a:off x="1029914" y="406400"/>
+            <a:ext cx="11557001" cy="6235700"/>
           </a:xfrm>
           <a:prstGeom prst="rect">
             <a:avLst/>
@@ -3310,62 +3331,56 @@
       </p:pic>
       <p:sp>
         <p:nvSpPr>
-          <p:cNvPr id="128" name="Creación de ondas sin necesidad de nuevas reglas"/>
+          <p:cNvPr id="127" name="Ontología de nuestro sistema de reglas"/>
           <p:cNvSpPr txBox="1"/>
           <p:nvPr>
             <p:ph type="title"/>
           </p:nvPr>
         </p:nvSpPr>
         <p:spPr>
-          <a:xfrm>
-            <a:off x="342900" y="635000"/>
-            <a:ext cx="5334000" cy="3987800"/>
-          </a:xfrm>
           <a:prstGeom prst="rect">
             <a:avLst/>
           </a:prstGeom>
         </p:spPr>
         <p:txBody>
           <a:bodyPr/>
-          <a:lstStyle/>
+          <a:lstStyle>
+            <a:lvl1pPr defTabSz="385572">
+              <a:defRPr sz="5280"/>
+            </a:lvl1pPr>
+          </a:lstStyle>
           <a:p>
             <a:pPr/>
             <a:r>
-              <a:t>Creación de ondas sin necesidad de nuevas reglas</a:t>
+              <a:t>Ontología de nuestro sistema de reglas</a:t>
             </a:r>
           </a:p>
         </p:txBody>
       </p:sp>
       <p:sp>
         <p:nvSpPr>
-          <p:cNvPr id="129" name="Evitamos la creación de ondas por parte de nuestro sistema de reglas para facilitar el mecanismo del mismo. Utilizamos la letras que nos ofrece nuestro ECG para saber en que momento que tipo de onda crear, y así insertarla en nuestra kSession"/>
+          <p:cNvPr id="128" name="En resumen, creamos una jerarquía de enfermedades y datos de ECG, para así poder comparar entre los distintos datos y diagnosticar síntomas"/>
           <p:cNvSpPr txBox="1"/>
           <p:nvPr>
             <p:ph type="body" sz="quarter" idx="1"/>
           </p:nvPr>
         </p:nvSpPr>
         <p:spPr>
-          <a:xfrm>
-            <a:off x="342900" y="4724400"/>
-            <a:ext cx="5334000" cy="4114800"/>
-          </a:xfrm>
           <a:prstGeom prst="rect">
             <a:avLst/>
           </a:prstGeom>
         </p:spPr>
         <p:txBody>
           <a:bodyPr/>
-          <a:lstStyle/>
-          <a:p>
-            <a:pPr defTabSz="484886">
-              <a:defRPr sz="3071"/>
-            </a:pPr>
-            <a:r>
-              <a:t>Evitamos la creación de ondas por parte de nuestro sistema de reglas para facilitar el mecanismo del mismo. Utilizamos la letras que nos ofrece nuestro ECG para saber en que momento que tipo de onda crear, y así insertarla en nuestra </a:t>
-            </a:r>
-            <a:r>
-              <a:rPr i="1"/>
-              <a:t>kSession</a:t>
+          <a:lstStyle>
+            <a:lvl1pPr defTabSz="443991">
+              <a:defRPr sz="2812"/>
+            </a:lvl1pPr>
+          </a:lstStyle>
+          <a:p>
+            <a:pPr/>
+            <a:r>
+              <a:t>En resumen, creamos una jerarquía de enfermedades y datos de ECG, para así poder comparar entre los distintos datos y diagnosticar síntomas</a:t>
             </a:r>
           </a:p>
         </p:txBody>
@@ -3398,9 +3413,9 @@
       </p:grpSpPr>
       <p:pic>
         <p:nvPicPr>
-          <p:cNvPr id="131" name="Captura de pantalla 2019-12-17 a las 5.54.58 p. m..png" descr="Captura de pantalla 2019-12-17 a las 5.54.58 p. m..png"/>
+          <p:cNvPr id="130" name="Captura de pantalla 2019-12-17 a las 5.54.21 p. m..png" descr="Captura de pantalla 2019-12-17 a las 5.54.21 p. m..png"/>
           <p:cNvPicPr>
-            <a:picLocks noChangeAspect="1"/>
+            <a:picLocks noChangeAspect="0"/>
           </p:cNvPicPr>
           <p:nvPr>
             <p:ph type="pic" idx="13"/>
@@ -3417,8 +3432,8 @@
         </p:blipFill>
         <p:spPr>
           <a:xfrm>
-            <a:off x="2679700" y="2245282"/>
-            <a:ext cx="7645400" cy="5499101"/>
+            <a:off x="5857369" y="2148333"/>
+            <a:ext cx="6734325" cy="5203082"/>
           </a:xfrm>
           <a:prstGeom prst="rect">
             <a:avLst/>
@@ -3427,7 +3442,7 @@
       </p:pic>
       <p:sp>
         <p:nvSpPr>
-          <p:cNvPr id="132" name="Creación de intervalos de un ECG por medio de reglas"/>
+          <p:cNvPr id="131" name="Creación de ondas sin necesidad de nuevas reglas"/>
           <p:cNvSpPr txBox="1"/>
           <p:nvPr>
             <p:ph type="title"/>
@@ -3435,8 +3450,8 @@
         </p:nvSpPr>
         <p:spPr>
           <a:xfrm>
-            <a:off x="1270000" y="413865"/>
-            <a:ext cx="10464800" cy="1422401"/>
+            <a:off x="342900" y="635000"/>
+            <a:ext cx="5334000" cy="3987800"/>
           </a:xfrm>
           <a:prstGeom prst="rect">
             <a:avLst/>
@@ -3444,28 +3459,28 @@
         </p:spPr>
         <p:txBody>
           <a:bodyPr/>
-          <a:lstStyle>
-            <a:lvl1pPr defTabSz="332993">
-              <a:defRPr sz="4560"/>
-            </a:lvl1pPr>
-          </a:lstStyle>
+          <a:lstStyle/>
           <a:p>
             <a:pPr/>
             <a:r>
-              <a:t>Creación de intervalos de un ECG por medio de reglas</a:t>
+              <a:t>Creación de ondas sin necesidad de nuevas reglas</a:t>
             </a:r>
           </a:p>
         </p:txBody>
       </p:sp>
       <p:sp>
         <p:nvSpPr>
-          <p:cNvPr id="133" name="Utilizamos las ondas creadas e insertadas previamente por nuestra clase Parser para crear nuestros diversos intervalos e insertarlos asimismo en nuestra kSession"/>
+          <p:cNvPr id="132" name="Evitamos la creación de ondas por parte de nuestro sistema de reglas para facilitar el mecanismo del mismo. Utilizamos la letras que nos ofrece nuestro ECG para saber en que momento que tipo de onda crear, y así insertarla en nuestra kSession"/>
           <p:cNvSpPr txBox="1"/>
           <p:nvPr>
             <p:ph type="body" sz="quarter" idx="1"/>
           </p:nvPr>
         </p:nvSpPr>
         <p:spPr>
+          <a:xfrm>
+            <a:off x="342900" y="4724400"/>
+            <a:ext cx="5334000" cy="4114800"/>
+          </a:xfrm>
           <a:prstGeom prst="rect">
             <a:avLst/>
           </a:prstGeom>
@@ -3474,18 +3489,11 @@
           <a:bodyPr/>
           <a:lstStyle/>
           <a:p>
-            <a:pPr defTabSz="403097">
-              <a:defRPr sz="2553"/>
+            <a:pPr defTabSz="484886">
+              <a:defRPr sz="3071"/>
             </a:pPr>
             <a:r>
-              <a:t>Utilizamos las ondas creadas e insertadas previamente por nuestra clase </a:t>
-            </a:r>
-            <a:r>
-              <a:rPr i="1"/>
-              <a:t>Parser </a:t>
-            </a:r>
-            <a:r>
-              <a:t>para crear nuestros diversos intervalos e insertarlos asimismo en nuestra </a:t>
+              <a:t>Evitamos la creación de ondas por parte de nuestro sistema de reglas para facilitar el mecanismo del mismo. Utilizamos la letras que nos ofrece nuestro ECG para saber en que momento que tipo de onda crear, y así insertarla en nuestra </a:t>
             </a:r>
             <a:r>
               <a:rPr i="1"/>
@@ -3522,9 +3530,9 @@
       </p:grpSpPr>
       <p:pic>
         <p:nvPicPr>
-          <p:cNvPr id="135" name="Captura de pantalla 2019-12-17 a las 6.20.36 p. m..png" descr="Captura de pantalla 2019-12-17 a las 6.20.36 p. m..png"/>
+          <p:cNvPr id="134" name="Captura de pantalla 2019-12-17 a las 5.54.58 p. m..png" descr="Captura de pantalla 2019-12-17 a las 5.54.58 p. m..png"/>
           <p:cNvPicPr>
-            <a:picLocks noChangeAspect="0"/>
+            <a:picLocks noChangeAspect="1"/>
           </p:cNvPicPr>
           <p:nvPr>
             <p:ph type="pic" idx="13"/>
@@ -3541,8 +3549,8 @@
         </p:blipFill>
         <p:spPr>
           <a:xfrm>
-            <a:off x="7367334" y="1359296"/>
-            <a:ext cx="4942037" cy="6780908"/>
+            <a:off x="2679700" y="2245282"/>
+            <a:ext cx="7645400" cy="5499101"/>
           </a:xfrm>
           <a:prstGeom prst="rect">
             <a:avLst/>
@@ -3551,7 +3559,7 @@
       </p:pic>
       <p:sp>
         <p:nvSpPr>
-          <p:cNvPr id="136" name="NormalValues"/>
+          <p:cNvPr id="135" name="Creación de intervalos de un ECG por medio de reglas"/>
           <p:cNvSpPr txBox="1"/>
           <p:nvPr>
             <p:ph type="title"/>
@@ -3559,41 +3567,37 @@
         </p:nvSpPr>
         <p:spPr>
           <a:xfrm>
-            <a:off x="939800" y="1449189"/>
-            <a:ext cx="5334000" cy="1433712"/>
+            <a:off x="1270000" y="413865"/>
+            <a:ext cx="10464800" cy="1422401"/>
           </a:xfrm>
           <a:prstGeom prst="rect">
             <a:avLst/>
           </a:prstGeom>
         </p:spPr>
         <p:txBody>
-          <a:bodyPr anchor="ctr"/>
+          <a:bodyPr/>
           <a:lstStyle>
-            <a:lvl1pPr>
-              <a:defRPr i="1"/>
+            <a:lvl1pPr defTabSz="332993">
+              <a:defRPr sz="4560"/>
             </a:lvl1pPr>
           </a:lstStyle>
           <a:p>
             <a:pPr/>
             <a:r>
-              <a:t>NormalValues</a:t>
+              <a:t>Creación de intervalos de un ECG por medio de reglas</a:t>
             </a:r>
           </a:p>
         </p:txBody>
       </p:sp>
       <p:sp>
         <p:nvSpPr>
-          <p:cNvPr id="137" name="Para poder comparar nuestros diversos ECG’s con valores normales, hacemos uso de una clase-contenedor denominada NormalValues en la cual añadimos datos de análisis para que estos puedan ser comparados en nuestras reglas y así ser capaces de detectar posibles enfermedades"/>
+          <p:cNvPr id="136" name="Utilizamos las ondas creadas e insertadas previamente por nuestra clase Parser para crear nuestros diversos intervalos e insertarlos asimismo en nuestra kSession"/>
           <p:cNvSpPr txBox="1"/>
           <p:nvPr>
             <p:ph type="body" sz="quarter" idx="1"/>
           </p:nvPr>
         </p:nvSpPr>
         <p:spPr>
-          <a:xfrm>
-            <a:off x="939800" y="3517900"/>
-            <a:ext cx="5334000" cy="4114800"/>
-          </a:xfrm>
           <a:prstGeom prst="rect">
             <a:avLst/>
           </a:prstGeom>
@@ -3602,18 +3606,22 @@
           <a:bodyPr/>
           <a:lstStyle/>
           <a:p>
-            <a:pPr defTabSz="473201">
-              <a:defRPr sz="2997"/>
+            <a:pPr defTabSz="403097">
+              <a:defRPr sz="2553"/>
             </a:pPr>
             <a:r>
-              <a:t>Para poder comparar nuestros diversos ECG’s con valores normales, hacemos uso de una clase-contenedor denominada </a:t>
+              <a:t>Utilizamos las ondas creadas e insertadas previamente por nuestra clase </a:t>
             </a:r>
             <a:r>
               <a:rPr i="1"/>
-              <a:t>NormalValues</a:t>
-            </a:r>
-            <a:r>
-              <a:t> en la cual añadimos datos de análisis para que estos puedan ser comparados en nuestras reglas y así ser capaces de detectar posibles enfermedades</a:t>
+              <a:t>Parser </a:t>
+            </a:r>
+            <a:r>
+              <a:t>para crear nuestros diversos intervalos e insertarlos asimismo en nuestra </a:t>
+            </a:r>
+            <a:r>
+              <a:rPr i="1"/>
+              <a:t>kSession</a:t>
             </a:r>
           </a:p>
         </p:txBody>
@@ -3646,9 +3654,9 @@
       </p:grpSpPr>
       <p:pic>
         <p:nvPicPr>
-          <p:cNvPr id="139" name="Captura de pantalla 2019-12-17 a las 5.54.37 p. m..png" descr="Captura de pantalla 2019-12-17 a las 5.54.37 p. m..png"/>
+          <p:cNvPr id="138" name="Captura de pantalla 2019-12-17 a las 6.20.36 p. m..png" descr="Captura de pantalla 2019-12-17 a las 6.20.36 p. m..png"/>
           <p:cNvPicPr>
-            <a:picLocks noChangeAspect="1"/>
+            <a:picLocks noChangeAspect="0"/>
           </p:cNvPicPr>
           <p:nvPr>
             <p:ph type="pic" idx="13"/>
@@ -3665,8 +3673,8 @@
         </p:blipFill>
         <p:spPr>
           <a:xfrm>
-            <a:off x="1973813" y="986860"/>
-            <a:ext cx="8877301" cy="1625601"/>
+            <a:off x="7367334" y="1359296"/>
+            <a:ext cx="4942038" cy="6780908"/>
           </a:xfrm>
           <a:prstGeom prst="rect">
             <a:avLst/>
@@ -3675,7 +3683,7 @@
       </p:pic>
       <p:sp>
         <p:nvSpPr>
-          <p:cNvPr id="140" name="Creación e inserción de enfermedades por medio de reglas de diagnosis"/>
+          <p:cNvPr id="139" name="NormalValues"/>
           <p:cNvSpPr txBox="1"/>
           <p:nvPr>
             <p:ph type="title"/>
@@ -3683,31 +3691,31 @@
         </p:nvSpPr>
         <p:spPr>
           <a:xfrm>
-            <a:off x="1270000" y="5626100"/>
-            <a:ext cx="10464800" cy="1422400"/>
+            <a:off x="939800" y="1449189"/>
+            <a:ext cx="5334000" cy="1433711"/>
           </a:xfrm>
           <a:prstGeom prst="rect">
             <a:avLst/>
           </a:prstGeom>
         </p:spPr>
         <p:txBody>
-          <a:bodyPr/>
+          <a:bodyPr anchor="ctr"/>
           <a:lstStyle>
-            <a:lvl1pPr defTabSz="332993">
-              <a:defRPr sz="4560"/>
+            <a:lvl1pPr>
+              <a:defRPr i="1"/>
             </a:lvl1pPr>
           </a:lstStyle>
           <a:p>
             <a:pPr/>
             <a:r>
-              <a:t>Creación e inserción de enfermedades por medio de reglas de diagnosis</a:t>
+              <a:t>NormalValues</a:t>
             </a:r>
           </a:p>
         </p:txBody>
       </p:sp>
       <p:sp>
         <p:nvSpPr>
-          <p:cNvPr id="141" name="Utilizamos nuestra clase NormalValues para poder comparar los datos de nuestro ECG con los datos genéricos de un ECG normal. Una vez nuestra regla es disparada, crea una instancia de la potencial enfermedad que puede padecer el paciente, y evita volver a dispararse para mantener limpio el fichero de salida."/>
+          <p:cNvPr id="140" name="Para poder comparar nuestros diversos ECG’s con valores normales, hacemos uso de una clase-contenedor denominada NormalValues en la cual añadimos datos de análisis para que estos puedan ser comparados en nuestras reglas y así ser capaces de detectar posibles enfermedades"/>
           <p:cNvSpPr txBox="1"/>
           <p:nvPr>
             <p:ph type="body" sz="quarter" idx="1"/>
@@ -3715,8 +3723,8 @@
         </p:nvSpPr>
         <p:spPr>
           <a:xfrm>
-            <a:off x="1269999" y="7552019"/>
-            <a:ext cx="10820401" cy="1384301"/>
+            <a:off x="939800" y="3517900"/>
+            <a:ext cx="5334000" cy="4114800"/>
           </a:xfrm>
           <a:prstGeom prst="rect">
             <a:avLst/>
@@ -3726,51 +3734,22 @@
           <a:bodyPr/>
           <a:lstStyle/>
           <a:p>
-            <a:pPr defTabSz="286258">
-              <a:defRPr sz="2205"/>
+            <a:pPr defTabSz="473201">
+              <a:defRPr sz="2997"/>
             </a:pPr>
             <a:r>
-              <a:t>Utilizamos nuestra clase </a:t>
+              <a:t>Para poder comparar nuestros diversos ECG’s con valores normales, hacemos uso de una clase-contenedor denominada </a:t>
             </a:r>
             <a:r>
               <a:rPr i="1"/>
-              <a:t>NormalValues </a:t>
-            </a:r>
-            <a:r>
-              <a:t>para poder comparar los datos de nuestro ECG con los datos genéricos de un ECG normal. Una vez nuestra regla es disparada, crea una instancia de la potencial enfermedad que puede padecer el paciente, y evita volver a dispararse para mantener limpio el fichero de salida.</a:t>
+              <a:t>NormalValues</a:t>
+            </a:r>
+            <a:r>
+              <a:t> en la cual añadimos datos de análisis para que estos puedan ser comparados en nuestras reglas y así ser capaces de detectar posibles enfermedades</a:t>
             </a:r>
           </a:p>
         </p:txBody>
       </p:sp>
-      <p:pic>
-        <p:nvPicPr>
-          <p:cNvPr id="142" name="Captura de pantalla 2019-12-17 a las 5.54.48 p. m..png" descr="Captura de pantalla 2019-12-17 a las 5.54.48 p. m..png"/>
-          <p:cNvPicPr>
-            <a:picLocks noChangeAspect="1"/>
-          </p:cNvPicPr>
-          <p:nvPr/>
-        </p:nvPicPr>
-        <p:blipFill>
-          <a:blip r:embed="rId3">
-            <a:extLst/>
-          </a:blip>
-          <a:stretch>
-            <a:fillRect/>
-          </a:stretch>
-        </p:blipFill>
-        <p:spPr>
-          <a:xfrm>
-            <a:off x="608563" y="3306480"/>
-            <a:ext cx="11607801" cy="1625601"/>
-          </a:xfrm>
-          <a:prstGeom prst="rect">
-            <a:avLst/>
-          </a:prstGeom>
-          <a:ln w="12700">
-            <a:miter lim="400000"/>
-          </a:ln>
-        </p:spPr>
-      </p:pic>
     </p:spTree>
   </p:cSld>
   <p:clrMapOvr>
@@ -3799,7 +3778,160 @@
       </p:grpSpPr>
       <p:pic>
         <p:nvPicPr>
-          <p:cNvPr id="144" name="Captura de pantalla 2019-12-17 a las 6.25.05 p. m..png" descr="Captura de pantalla 2019-12-17 a las 6.25.05 p. m..png"/>
+          <p:cNvPr id="142" name="Captura de pantalla 2019-12-17 a las 5.54.37 p. m..png" descr="Captura de pantalla 2019-12-17 a las 5.54.37 p. m..png"/>
+          <p:cNvPicPr>
+            <a:picLocks noChangeAspect="1"/>
+          </p:cNvPicPr>
+          <p:nvPr>
+            <p:ph type="pic" idx="13"/>
+          </p:nvPr>
+        </p:nvPicPr>
+        <p:blipFill>
+          <a:blip r:embed="rId2">
+            <a:extLst/>
+          </a:blip>
+          <a:srcRect l="0" t="0" r="0" b="0"/>
+          <a:stretch>
+            <a:fillRect/>
+          </a:stretch>
+        </p:blipFill>
+        <p:spPr>
+          <a:xfrm>
+            <a:off x="1973813" y="986860"/>
+            <a:ext cx="8877301" cy="1625601"/>
+          </a:xfrm>
+          <a:prstGeom prst="rect">
+            <a:avLst/>
+          </a:prstGeom>
+        </p:spPr>
+      </p:pic>
+      <p:sp>
+        <p:nvSpPr>
+          <p:cNvPr id="143" name="Creación e inserción de enfermedades por medio de reglas de diagnosis"/>
+          <p:cNvSpPr txBox="1"/>
+          <p:nvPr>
+            <p:ph type="title"/>
+          </p:nvPr>
+        </p:nvSpPr>
+        <p:spPr>
+          <a:xfrm>
+            <a:off x="1270000" y="5626100"/>
+            <a:ext cx="10464800" cy="1422400"/>
+          </a:xfrm>
+          <a:prstGeom prst="rect">
+            <a:avLst/>
+          </a:prstGeom>
+        </p:spPr>
+        <p:txBody>
+          <a:bodyPr/>
+          <a:lstStyle>
+            <a:lvl1pPr defTabSz="332993">
+              <a:defRPr sz="4560"/>
+            </a:lvl1pPr>
+          </a:lstStyle>
+          <a:p>
+            <a:pPr/>
+            <a:r>
+              <a:t>Creación e inserción de enfermedades por medio de reglas de diagnosis</a:t>
+            </a:r>
+          </a:p>
+        </p:txBody>
+      </p:sp>
+      <p:sp>
+        <p:nvSpPr>
+          <p:cNvPr id="144" name="Utilizamos nuestra clase NormalValues para poder comparar los datos de nuestro ECG con los datos genéricos de un ECG normal. Una vez nuestra regla es disparada, crea una instancia de la potencial enfermedad que puede padecer el paciente, y evita volver a dispararse para mantener limpio el fichero de salida."/>
+          <p:cNvSpPr txBox="1"/>
+          <p:nvPr>
+            <p:ph type="body" sz="quarter" idx="1"/>
+          </p:nvPr>
+        </p:nvSpPr>
+        <p:spPr>
+          <a:xfrm>
+            <a:off x="1270000" y="7552019"/>
+            <a:ext cx="10820400" cy="1384301"/>
+          </a:xfrm>
+          <a:prstGeom prst="rect">
+            <a:avLst/>
+          </a:prstGeom>
+        </p:spPr>
+        <p:txBody>
+          <a:bodyPr/>
+          <a:lstStyle/>
+          <a:p>
+            <a:pPr defTabSz="286258">
+              <a:defRPr sz="2205"/>
+            </a:pPr>
+            <a:r>
+              <a:t>Utilizamos nuestra clase </a:t>
+            </a:r>
+            <a:r>
+              <a:rPr i="1"/>
+              <a:t>NormalValues </a:t>
+            </a:r>
+            <a:r>
+              <a:t>para poder comparar los datos de nuestro ECG con los datos genéricos de un ECG normal. Una vez nuestra regla es disparada, crea una instancia de la potencial enfermedad que puede padecer el paciente, y evita volver a dispararse para mantener limpio el fichero de salida.</a:t>
+            </a:r>
+          </a:p>
+        </p:txBody>
+      </p:sp>
+      <p:pic>
+        <p:nvPicPr>
+          <p:cNvPr id="145" name="Captura de pantalla 2019-12-17 a las 5.54.48 p. m..png" descr="Captura de pantalla 2019-12-17 a las 5.54.48 p. m..png"/>
+          <p:cNvPicPr>
+            <a:picLocks noChangeAspect="1"/>
+          </p:cNvPicPr>
+          <p:nvPr/>
+        </p:nvPicPr>
+        <p:blipFill>
+          <a:blip r:embed="rId3">
+            <a:extLst/>
+          </a:blip>
+          <a:stretch>
+            <a:fillRect/>
+          </a:stretch>
+        </p:blipFill>
+        <p:spPr>
+          <a:xfrm>
+            <a:off x="608563" y="3306479"/>
+            <a:ext cx="11607801" cy="1625601"/>
+          </a:xfrm>
+          <a:prstGeom prst="rect">
+            <a:avLst/>
+          </a:prstGeom>
+          <a:ln w="12700">
+            <a:miter lim="400000"/>
+          </a:ln>
+        </p:spPr>
+      </p:pic>
+    </p:spTree>
+  </p:cSld>
+  <p:clrMapOvr>
+    <a:masterClrMapping/>
+  </p:clrMapOvr>
+  <p:transition xmlns:p14="http://schemas.microsoft.com/office/powerpoint/2010/main" spd="med" advClick="1"/>
+</p:sld>
+</file>
+
+<file path=ppt/slides/slide8.xml><?xml version="1.0" encoding="utf-8"?>
+<p:sld xmlns:a="http://schemas.openxmlformats.org/drawingml/2006/main" xmlns:r="http://schemas.openxmlformats.org/officeDocument/2006/relationships" xmlns:p="http://schemas.openxmlformats.org/presentationml/2006/main" xmlns:m="http://schemas.openxmlformats.org/officeDocument/2006/math" xmlns:a14="http://schemas.microsoft.com/office/drawing/2010/main" showMasterSp="1" showMasterPhAnim="1">
+  <p:cSld>
+    <p:spTree>
+      <p:nvGrpSpPr>
+        <p:cNvPr id="1" name=""/>
+        <p:cNvGrpSpPr/>
+        <p:nvPr/>
+      </p:nvGrpSpPr>
+      <p:grpSpPr>
+        <a:xfrm>
+          <a:off x="0" y="0"/>
+          <a:ext cx="0" cy="0"/>
+          <a:chOff x="0" y="0"/>
+          <a:chExt cx="0" cy="0"/>
+        </a:xfrm>
+      </p:grpSpPr>
+      <p:pic>
+        <p:nvPicPr>
+          <p:cNvPr id="147" name="Captura de pantalla 2019-12-17 a las 6.25.05 p. m..png" descr="Captura de pantalla 2019-12-17 a las 6.25.05 p. m..png"/>
           <p:cNvPicPr>
             <a:picLocks noChangeAspect="0"/>
           </p:cNvPicPr>
@@ -3828,7 +3960,7 @@
       </p:pic>
       <p:sp>
         <p:nvSpPr>
-          <p:cNvPr id="145" name="Impresión del diagnóstico en un fichero de salida"/>
+          <p:cNvPr id="148" name="Impresión del diagnóstico en un fichero de salida"/>
           <p:cNvSpPr txBox="1"/>
           <p:nvPr>
             <p:ph type="title"/>
@@ -3856,7 +3988,7 @@
       </p:sp>
       <p:sp>
         <p:nvSpPr>
-          <p:cNvPr id="146" name="Para crear nuestro fichero utilizamos la clase PrintWriter de Java, la cual, además, nos permite escribir en él mediante una variable (denominada writer)"/>
+          <p:cNvPr id="149" name="Para crear nuestro fichero utilizamos la clase PrintWriter de Java, la cual, además, nos permite escribir en él mediante una variable (denominada writer)"/>
           <p:cNvSpPr txBox="1"/>
           <p:nvPr>
             <p:ph type="body" sz="quarter" idx="1"/>
@@ -3900,7 +4032,7 @@
       </p:sp>
       <p:pic>
         <p:nvPicPr>
-          <p:cNvPr id="147" name="Captura de pantalla 2019-12-17 a las 6.26.52 p. m..png" descr="Captura de pantalla 2019-12-17 a las 6.26.52 p. m..png"/>
+          <p:cNvPr id="150" name="Captura de pantalla 2019-12-17 a las 6.26.52 p. m..png" descr="Captura de pantalla 2019-12-17 a las 6.26.52 p. m..png"/>
           <p:cNvPicPr>
             <a:picLocks noChangeAspect="0"/>
           </p:cNvPicPr>
@@ -3929,7 +4061,7 @@
       </p:pic>
       <p:sp>
         <p:nvSpPr>
-          <p:cNvPr id="148" name="Insertamos esta variable en nuestra kSession y creamos una regla para imprimir las enfermedades. Esta regla se dispara siempre que se inserte en nuestra kSession una instancia de la clase Issue e imprime el mensaje atribuido a esta en el fichero de salida."/>
+          <p:cNvPr id="151" name="Insertamos esta variable en nuestra kSession y creamos una regla para imprimir las enfermedades. Esta regla se dispara siempre que se inserte en nuestra kSession una instancia de la clase Issue e imprime el mensaje atribuido a esta en el fichero de salida."/>
           <p:cNvSpPr txBox="1"/>
           <p:nvPr/>
         </p:nvSpPr>
@@ -3985,6 +4117,125 @@
             </a:r>
             <a:r>
               <a:t>e imprime el mensaje atribuido a esta en el fichero de salida.</a:t>
+            </a:r>
+          </a:p>
+        </p:txBody>
+      </p:sp>
+    </p:spTree>
+  </p:cSld>
+  <p:clrMapOvr>
+    <a:masterClrMapping/>
+  </p:clrMapOvr>
+  <p:transition xmlns:p14="http://schemas.microsoft.com/office/powerpoint/2010/main" spd="med" advClick="1"/>
+</p:sld>
+</file>
+
+<file path=ppt/slides/slide9.xml><?xml version="1.0" encoding="utf-8"?>
+<p:sld xmlns:a="http://schemas.openxmlformats.org/drawingml/2006/main" xmlns:r="http://schemas.openxmlformats.org/officeDocument/2006/relationships" xmlns:p="http://schemas.openxmlformats.org/presentationml/2006/main" xmlns:m="http://schemas.openxmlformats.org/officeDocument/2006/math" xmlns:a14="http://schemas.microsoft.com/office/drawing/2010/main" showMasterSp="1" showMasterPhAnim="1">
+  <p:cSld>
+    <p:spTree>
+      <p:nvGrpSpPr>
+        <p:cNvPr id="1" name=""/>
+        <p:cNvGrpSpPr/>
+        <p:nvPr/>
+      </p:nvGrpSpPr>
+      <p:grpSpPr>
+        <a:xfrm>
+          <a:off x="0" y="0"/>
+          <a:ext cx="0" cy="0"/>
+          <a:chOff x="0" y="0"/>
+          <a:chExt cx="0" cy="0"/>
+        </a:xfrm>
+      </p:grpSpPr>
+      <p:pic>
+        <p:nvPicPr>
+          <p:cNvPr id="153" name="Captura de pantalla 2019-12-19 a las 11.27.55 a. m..png" descr="Captura de pantalla 2019-12-19 a las 11.27.55 a. m..png"/>
+          <p:cNvPicPr>
+            <a:picLocks noChangeAspect="0"/>
+          </p:cNvPicPr>
+          <p:nvPr>
+            <p:ph type="pic" idx="13"/>
+          </p:nvPr>
+        </p:nvPicPr>
+        <p:blipFill>
+          <a:blip r:embed="rId2">
+            <a:extLst/>
+          </a:blip>
+          <a:srcRect l="0" t="0" r="0" b="0"/>
+          <a:stretch>
+            <a:fillRect/>
+          </a:stretch>
+        </p:blipFill>
+        <p:spPr>
+          <a:xfrm>
+            <a:off x="1393031" y="2386832"/>
+            <a:ext cx="10218742" cy="1134556"/>
+          </a:xfrm>
+          <a:prstGeom prst="rect">
+            <a:avLst/>
+          </a:prstGeom>
+        </p:spPr>
+      </p:pic>
+      <p:sp>
+        <p:nvSpPr>
+          <p:cNvPr id="154" name="Ejemplo de fichero de salida"/>
+          <p:cNvSpPr txBox="1"/>
+          <p:nvPr>
+            <p:ph type="title"/>
+          </p:nvPr>
+        </p:nvSpPr>
+        <p:spPr>
+          <a:xfrm>
+            <a:off x="1270000" y="5562600"/>
+            <a:ext cx="10464800" cy="1422400"/>
+          </a:xfrm>
+          <a:prstGeom prst="rect">
+            <a:avLst/>
+          </a:prstGeom>
+        </p:spPr>
+        <p:txBody>
+          <a:bodyPr/>
+          <a:lstStyle>
+            <a:lvl1pPr defTabSz="525779">
+              <a:defRPr sz="7200"/>
+            </a:lvl1pPr>
+          </a:lstStyle>
+          <a:p>
+            <a:pPr/>
+            <a:r>
+              <a:t>Ejemplo de fichero de salida</a:t>
+            </a:r>
+          </a:p>
+        </p:txBody>
+      </p:sp>
+      <p:sp>
+        <p:nvSpPr>
+          <p:cNvPr id="155" name="Las enfermedades muestran el ciclo en el que se diagnosticó el síntoma (si la enfermedad es provocada por las pulsaciones por minuto, también se indica)"/>
+          <p:cNvSpPr txBox="1"/>
+          <p:nvPr>
+            <p:ph type="body" sz="quarter" idx="1"/>
+          </p:nvPr>
+        </p:nvSpPr>
+        <p:spPr>
+          <a:xfrm>
+            <a:off x="1270000" y="7505700"/>
+            <a:ext cx="10464800" cy="1130300"/>
+          </a:xfrm>
+          <a:prstGeom prst="rect">
+            <a:avLst/>
+          </a:prstGeom>
+        </p:spPr>
+        <p:txBody>
+          <a:bodyPr/>
+          <a:lstStyle>
+            <a:lvl1pPr defTabSz="420624">
+              <a:defRPr sz="2664"/>
+            </a:lvl1pPr>
+          </a:lstStyle>
+          <a:p>
+            <a:pPr/>
+            <a:r>
+              <a:t>Las enfermedades muestran el ciclo en el que se diagnosticó el síntoma (si la enfermedad es provocada por las pulsaciones por minuto, también se indica)</a:t>
             </a:r>
           </a:p>
         </p:txBody>
